--- a/processed/mvccc/袮坐著為王.pptx
+++ b/processed/mvccc/袮坐著為王.pptx
@@ -108,6 +108,22 @@
       </a:defRPr>
     </a:lvl9pPr>
   </p:defaultTextStyle>
+  <p:extLst>
+    <p:ext uri="{EFAFB233-063F-42B5-8137-9DF3F51BA10A}">
+      <p15:sldGuideLst xmlns:p15="http://schemas.microsoft.com/office/powerpoint/2012/main">
+        <p15:guide id="1" orient="horz" pos="1620">
+          <p15:clr>
+            <a:srgbClr val="A4A3A4"/>
+          </p15:clr>
+        </p15:guide>
+        <p15:guide id="2" pos="2880">
+          <p15:clr>
+            <a:srgbClr val="A4A3A4"/>
+          </p15:clr>
+        </p15:guide>
+      </p15:sldGuideLst>
+    </p:ext>
+  </p:extLst>
 </p:presentation>
 </file>
 
@@ -257,38 +273,37 @@
           <a:p>
             <a:pPr lvl="0"/>
             <a:r>
-              <a:rPr lang="en-US" smtClean="0"/>
+              <a:rPr lang="en-US"/>
               <a:t>Click to edit Master text styles</a:t>
             </a:r>
           </a:p>
           <a:p>
             <a:pPr lvl="1"/>
             <a:r>
-              <a:rPr lang="en-US" smtClean="0"/>
+              <a:rPr lang="en-US"/>
               <a:t>Second level</a:t>
             </a:r>
           </a:p>
           <a:p>
             <a:pPr lvl="2"/>
             <a:r>
-              <a:rPr lang="en-US" smtClean="0"/>
+              <a:rPr lang="en-US"/>
               <a:t>Third level</a:t>
             </a:r>
           </a:p>
           <a:p>
             <a:pPr lvl="3"/>
             <a:r>
-              <a:rPr lang="en-US" smtClean="0"/>
+              <a:rPr lang="en-US"/>
               <a:t>Fourth level</a:t>
             </a:r>
           </a:p>
           <a:p>
             <a:pPr lvl="4"/>
             <a:r>
-              <a:rPr lang="en-US" smtClean="0"/>
+              <a:rPr lang="en-US"/>
               <a:t>Fifth level</a:t>
             </a:r>
-            <a:endParaRPr lang="en-US"/>
           </a:p>
         </p:txBody>
       </p:sp>
@@ -623,10 +638,9 @@
           <a:lstStyle/>
           <a:p>
             <a:r>
-              <a:rPr lang="en-US" smtClean="0"/>
+              <a:rPr lang="en-US"/>
               <a:t>Click to edit Master title style</a:t>
             </a:r>
-            <a:endParaRPr lang="en-US"/>
           </a:p>
         </p:txBody>
       </p:sp>
@@ -742,10 +756,9 @@
           </a:lstStyle>
           <a:p>
             <a:r>
-              <a:rPr lang="en-US" smtClean="0"/>
+              <a:rPr lang="en-US"/>
               <a:t>Click to edit Master subtitle style</a:t>
             </a:r>
-            <a:endParaRPr lang="en-US"/>
           </a:p>
         </p:txBody>
       </p:sp>
@@ -860,10 +873,9 @@
           <a:lstStyle/>
           <a:p>
             <a:r>
-              <a:rPr lang="en-US" smtClean="0"/>
+              <a:rPr lang="en-US"/>
               <a:t>Click to edit Master title style</a:t>
             </a:r>
-            <a:endParaRPr lang="en-US"/>
           </a:p>
         </p:txBody>
       </p:sp>
@@ -884,38 +896,37 @@
           <a:p>
             <a:pPr lvl="0"/>
             <a:r>
-              <a:rPr lang="en-US" smtClean="0"/>
+              <a:rPr lang="en-US"/>
               <a:t>Click to edit Master text styles</a:t>
             </a:r>
           </a:p>
           <a:p>
             <a:pPr lvl="1"/>
             <a:r>
-              <a:rPr lang="en-US" smtClean="0"/>
+              <a:rPr lang="en-US"/>
               <a:t>Second level</a:t>
             </a:r>
           </a:p>
           <a:p>
             <a:pPr lvl="2"/>
             <a:r>
-              <a:rPr lang="en-US" smtClean="0"/>
+              <a:rPr lang="en-US"/>
               <a:t>Third level</a:t>
             </a:r>
           </a:p>
           <a:p>
             <a:pPr lvl="3"/>
             <a:r>
-              <a:rPr lang="en-US" smtClean="0"/>
+              <a:rPr lang="en-US"/>
               <a:t>Fourth level</a:t>
             </a:r>
           </a:p>
           <a:p>
             <a:pPr lvl="4"/>
             <a:r>
-              <a:rPr lang="en-US" smtClean="0"/>
+              <a:rPr lang="en-US"/>
               <a:t>Fifth level</a:t>
             </a:r>
-            <a:endParaRPr lang="en-US"/>
           </a:p>
         </p:txBody>
       </p:sp>
@@ -1035,10 +1046,9 @@
           <a:lstStyle/>
           <a:p>
             <a:r>
-              <a:rPr lang="en-US" smtClean="0"/>
+              <a:rPr lang="en-US"/>
               <a:t>Click to edit Master title style</a:t>
             </a:r>
-            <a:endParaRPr lang="en-US"/>
           </a:p>
         </p:txBody>
       </p:sp>
@@ -1064,38 +1074,37 @@
           <a:p>
             <a:pPr lvl="0"/>
             <a:r>
-              <a:rPr lang="en-US" smtClean="0"/>
+              <a:rPr lang="en-US"/>
               <a:t>Click to edit Master text styles</a:t>
             </a:r>
           </a:p>
           <a:p>
             <a:pPr lvl="1"/>
             <a:r>
-              <a:rPr lang="en-US" smtClean="0"/>
+              <a:rPr lang="en-US"/>
               <a:t>Second level</a:t>
             </a:r>
           </a:p>
           <a:p>
             <a:pPr lvl="2"/>
             <a:r>
-              <a:rPr lang="en-US" smtClean="0"/>
+              <a:rPr lang="en-US"/>
               <a:t>Third level</a:t>
             </a:r>
           </a:p>
           <a:p>
             <a:pPr lvl="3"/>
             <a:r>
-              <a:rPr lang="en-US" smtClean="0"/>
+              <a:rPr lang="en-US"/>
               <a:t>Fourth level</a:t>
             </a:r>
           </a:p>
           <a:p>
             <a:pPr lvl="4"/>
             <a:r>
-              <a:rPr lang="en-US" smtClean="0"/>
+              <a:rPr lang="en-US"/>
               <a:t>Fifth level</a:t>
             </a:r>
-            <a:endParaRPr lang="en-US"/>
           </a:p>
         </p:txBody>
       </p:sp>
@@ -1210,10 +1219,9 @@
           <a:lstStyle/>
           <a:p>
             <a:r>
-              <a:rPr lang="en-US" smtClean="0"/>
+              <a:rPr lang="en-US"/>
               <a:t>Click to edit Master title style</a:t>
             </a:r>
-            <a:endParaRPr lang="en-US"/>
           </a:p>
         </p:txBody>
       </p:sp>
@@ -1234,38 +1242,37 @@
           <a:p>
             <a:pPr lvl="0"/>
             <a:r>
-              <a:rPr lang="en-US" smtClean="0"/>
+              <a:rPr lang="en-US"/>
               <a:t>Click to edit Master text styles</a:t>
             </a:r>
           </a:p>
           <a:p>
             <a:pPr lvl="1"/>
             <a:r>
-              <a:rPr lang="en-US" smtClean="0"/>
+              <a:rPr lang="en-US"/>
               <a:t>Second level</a:t>
             </a:r>
           </a:p>
           <a:p>
             <a:pPr lvl="2"/>
             <a:r>
-              <a:rPr lang="en-US" smtClean="0"/>
+              <a:rPr lang="en-US"/>
               <a:t>Third level</a:t>
             </a:r>
           </a:p>
           <a:p>
             <a:pPr lvl="3"/>
             <a:r>
-              <a:rPr lang="en-US" smtClean="0"/>
+              <a:rPr lang="en-US"/>
               <a:t>Fourth level</a:t>
             </a:r>
           </a:p>
           <a:p>
             <a:pPr lvl="4"/>
             <a:r>
-              <a:rPr lang="en-US" smtClean="0"/>
+              <a:rPr lang="en-US"/>
               <a:t>Fifth level</a:t>
             </a:r>
-            <a:endParaRPr lang="en-US"/>
           </a:p>
         </p:txBody>
       </p:sp>
@@ -1344,13 +1351,6 @@
   <p:clrMapOvr>
     <a:masterClrMapping/>
   </p:clrMapOvr>
-  <p:timing>
-    <p:tnLst>
-      <p:par>
-        <p:cTn id="1" dur="indefinite" restart="never" nodeType="tmRoot"/>
-      </p:par>
-    </p:tnLst>
-  </p:timing>
 </p:sldLayout>
 </file>
 
@@ -1396,10 +1396,9 @@
           </a:lstStyle>
           <a:p>
             <a:r>
-              <a:rPr lang="en-US" smtClean="0"/>
+              <a:rPr lang="en-US"/>
               <a:t>Click to edit Master title style</a:t>
             </a:r>
-            <a:endParaRPr lang="en-US"/>
           </a:p>
         </p:txBody>
       </p:sp>
@@ -1516,7 +1515,7 @@
           <a:p>
             <a:pPr lvl="0"/>
             <a:r>
-              <a:rPr lang="en-US" smtClean="0"/>
+              <a:rPr lang="en-US"/>
               <a:t>Click to edit Master text styles</a:t>
             </a:r>
           </a:p>
@@ -1633,10 +1632,9 @@
           <a:lstStyle/>
           <a:p>
             <a:r>
-              <a:rPr lang="en-US" smtClean="0"/>
+              <a:rPr lang="en-US"/>
               <a:t>Click to edit Master title style</a:t>
             </a:r>
-            <a:endParaRPr lang="en-US"/>
           </a:p>
         </p:txBody>
       </p:sp>
@@ -1690,38 +1688,37 @@
           <a:p>
             <a:pPr lvl="0"/>
             <a:r>
-              <a:rPr lang="en-US" smtClean="0"/>
+              <a:rPr lang="en-US"/>
               <a:t>Click to edit Master text styles</a:t>
             </a:r>
           </a:p>
           <a:p>
             <a:pPr lvl="1"/>
             <a:r>
-              <a:rPr lang="en-US" smtClean="0"/>
+              <a:rPr lang="en-US"/>
               <a:t>Second level</a:t>
             </a:r>
           </a:p>
           <a:p>
             <a:pPr lvl="2"/>
             <a:r>
-              <a:rPr lang="en-US" smtClean="0"/>
+              <a:rPr lang="en-US"/>
               <a:t>Third level</a:t>
             </a:r>
           </a:p>
           <a:p>
             <a:pPr lvl="3"/>
             <a:r>
-              <a:rPr lang="en-US" smtClean="0"/>
+              <a:rPr lang="en-US"/>
               <a:t>Fourth level</a:t>
             </a:r>
           </a:p>
           <a:p>
             <a:pPr lvl="4"/>
             <a:r>
-              <a:rPr lang="en-US" smtClean="0"/>
+              <a:rPr lang="en-US"/>
               <a:t>Fifth level</a:t>
             </a:r>
-            <a:endParaRPr lang="en-US"/>
           </a:p>
         </p:txBody>
       </p:sp>
@@ -1775,38 +1772,37 @@
           <a:p>
             <a:pPr lvl="0"/>
             <a:r>
-              <a:rPr lang="en-US" smtClean="0"/>
+              <a:rPr lang="en-US"/>
               <a:t>Click to edit Master text styles</a:t>
             </a:r>
           </a:p>
           <a:p>
             <a:pPr lvl="1"/>
             <a:r>
-              <a:rPr lang="en-US" smtClean="0"/>
+              <a:rPr lang="en-US"/>
               <a:t>Second level</a:t>
             </a:r>
           </a:p>
           <a:p>
             <a:pPr lvl="2"/>
             <a:r>
-              <a:rPr lang="en-US" smtClean="0"/>
+              <a:rPr lang="en-US"/>
               <a:t>Third level</a:t>
             </a:r>
           </a:p>
           <a:p>
             <a:pPr lvl="3"/>
             <a:r>
-              <a:rPr lang="en-US" smtClean="0"/>
+              <a:rPr lang="en-US"/>
               <a:t>Fourth level</a:t>
             </a:r>
           </a:p>
           <a:p>
             <a:pPr lvl="4"/>
             <a:r>
-              <a:rPr lang="en-US" smtClean="0"/>
+              <a:rPr lang="en-US"/>
               <a:t>Fifth level</a:t>
             </a:r>
-            <a:endParaRPr lang="en-US"/>
           </a:p>
         </p:txBody>
       </p:sp>
@@ -1925,10 +1921,9 @@
           </a:lstStyle>
           <a:p>
             <a:r>
-              <a:rPr lang="en-US" smtClean="0"/>
+              <a:rPr lang="en-US"/>
               <a:t>Click to edit Master title style</a:t>
             </a:r>
-            <a:endParaRPr lang="en-US"/>
           </a:p>
         </p:txBody>
       </p:sp>
@@ -1991,7 +1986,7 @@
           <a:p>
             <a:pPr lvl="0"/>
             <a:r>
-              <a:rPr lang="en-US" smtClean="0"/>
+              <a:rPr lang="en-US"/>
               <a:t>Click to edit Master text styles</a:t>
             </a:r>
           </a:p>
@@ -2047,38 +2042,37 @@
           <a:p>
             <a:pPr lvl="0"/>
             <a:r>
-              <a:rPr lang="en-US" smtClean="0"/>
+              <a:rPr lang="en-US"/>
               <a:t>Click to edit Master text styles</a:t>
             </a:r>
           </a:p>
           <a:p>
             <a:pPr lvl="1"/>
             <a:r>
-              <a:rPr lang="en-US" smtClean="0"/>
+              <a:rPr lang="en-US"/>
               <a:t>Second level</a:t>
             </a:r>
           </a:p>
           <a:p>
             <a:pPr lvl="2"/>
             <a:r>
-              <a:rPr lang="en-US" smtClean="0"/>
+              <a:rPr lang="en-US"/>
               <a:t>Third level</a:t>
             </a:r>
           </a:p>
           <a:p>
             <a:pPr lvl="3"/>
             <a:r>
-              <a:rPr lang="en-US" smtClean="0"/>
+              <a:rPr lang="en-US"/>
               <a:t>Fourth level</a:t>
             </a:r>
           </a:p>
           <a:p>
             <a:pPr lvl="4"/>
             <a:r>
-              <a:rPr lang="en-US" smtClean="0"/>
+              <a:rPr lang="en-US"/>
               <a:t>Fifth level</a:t>
             </a:r>
-            <a:endParaRPr lang="en-US"/>
           </a:p>
         </p:txBody>
       </p:sp>
@@ -2141,7 +2135,7 @@
           <a:p>
             <a:pPr lvl="0"/>
             <a:r>
-              <a:rPr lang="en-US" smtClean="0"/>
+              <a:rPr lang="en-US"/>
               <a:t>Click to edit Master text styles</a:t>
             </a:r>
           </a:p>
@@ -2197,38 +2191,37 @@
           <a:p>
             <a:pPr lvl="0"/>
             <a:r>
-              <a:rPr lang="en-US" smtClean="0"/>
+              <a:rPr lang="en-US"/>
               <a:t>Click to edit Master text styles</a:t>
             </a:r>
           </a:p>
           <a:p>
             <a:pPr lvl="1"/>
             <a:r>
-              <a:rPr lang="en-US" smtClean="0"/>
+              <a:rPr lang="en-US"/>
               <a:t>Second level</a:t>
             </a:r>
           </a:p>
           <a:p>
             <a:pPr lvl="2"/>
             <a:r>
-              <a:rPr lang="en-US" smtClean="0"/>
+              <a:rPr lang="en-US"/>
               <a:t>Third level</a:t>
             </a:r>
           </a:p>
           <a:p>
             <a:pPr lvl="3"/>
             <a:r>
-              <a:rPr lang="en-US" smtClean="0"/>
+              <a:rPr lang="en-US"/>
               <a:t>Fourth level</a:t>
             </a:r>
           </a:p>
           <a:p>
             <a:pPr lvl="4"/>
             <a:r>
-              <a:rPr lang="en-US" smtClean="0"/>
+              <a:rPr lang="en-US"/>
               <a:t>Fifth level</a:t>
             </a:r>
-            <a:endParaRPr lang="en-US"/>
           </a:p>
         </p:txBody>
       </p:sp>
@@ -2343,10 +2336,9 @@
           <a:lstStyle/>
           <a:p>
             <a:r>
-              <a:rPr lang="en-US" smtClean="0"/>
+              <a:rPr lang="en-US"/>
               <a:t>Click to edit Master title style</a:t>
             </a:r>
-            <a:endParaRPr lang="en-US"/>
           </a:p>
         </p:txBody>
       </p:sp>
@@ -2565,10 +2557,9 @@
           </a:lstStyle>
           <a:p>
             <a:r>
-              <a:rPr lang="en-US" smtClean="0"/>
+              <a:rPr lang="en-US"/>
               <a:t>Click to edit Master title style</a:t>
             </a:r>
-            <a:endParaRPr lang="en-US"/>
           </a:p>
         </p:txBody>
       </p:sp>
@@ -2622,38 +2613,37 @@
           <a:p>
             <a:pPr lvl="0"/>
             <a:r>
-              <a:rPr lang="en-US" smtClean="0"/>
+              <a:rPr lang="en-US"/>
               <a:t>Click to edit Master text styles</a:t>
             </a:r>
           </a:p>
           <a:p>
             <a:pPr lvl="1"/>
             <a:r>
-              <a:rPr lang="en-US" smtClean="0"/>
+              <a:rPr lang="en-US"/>
               <a:t>Second level</a:t>
             </a:r>
           </a:p>
           <a:p>
             <a:pPr lvl="2"/>
             <a:r>
-              <a:rPr lang="en-US" smtClean="0"/>
+              <a:rPr lang="en-US"/>
               <a:t>Third level</a:t>
             </a:r>
           </a:p>
           <a:p>
             <a:pPr lvl="3"/>
             <a:r>
-              <a:rPr lang="en-US" smtClean="0"/>
+              <a:rPr lang="en-US"/>
               <a:t>Fourth level</a:t>
             </a:r>
           </a:p>
           <a:p>
             <a:pPr lvl="4"/>
             <a:r>
-              <a:rPr lang="en-US" smtClean="0"/>
+              <a:rPr lang="en-US"/>
               <a:t>Fifth level</a:t>
             </a:r>
-            <a:endParaRPr lang="en-US"/>
           </a:p>
         </p:txBody>
       </p:sp>
@@ -2716,7 +2706,7 @@
           <a:p>
             <a:pPr lvl="0"/>
             <a:r>
-              <a:rPr lang="en-US" smtClean="0"/>
+              <a:rPr lang="en-US"/>
               <a:t>Click to edit Master text styles</a:t>
             </a:r>
           </a:p>
@@ -2842,10 +2832,9 @@
           </a:lstStyle>
           <a:p>
             <a:r>
-              <a:rPr lang="en-US" smtClean="0"/>
+              <a:rPr lang="en-US"/>
               <a:t>Click to edit Master title style</a:t>
             </a:r>
-            <a:endParaRPr lang="en-US"/>
           </a:p>
         </p:txBody>
       </p:sp>
@@ -2969,7 +2958,7 @@
           <a:p>
             <a:pPr lvl="0"/>
             <a:r>
-              <a:rPr lang="en-US" smtClean="0"/>
+              <a:rPr lang="en-US"/>
               <a:t>Click to edit Master text styles</a:t>
             </a:r>
           </a:p>
@@ -3101,10 +3090,9 @@
           <a:lstStyle/>
           <a:p>
             <a:r>
-              <a:rPr lang="en-US" smtClean="0"/>
+              <a:rPr lang="en-US"/>
               <a:t>Click to edit Master title style</a:t>
             </a:r>
-            <a:endParaRPr lang="en-US"/>
           </a:p>
         </p:txBody>
       </p:sp>
@@ -3135,38 +3123,37 @@
           <a:p>
             <a:pPr lvl="0"/>
             <a:r>
-              <a:rPr lang="en-US" smtClean="0"/>
+              <a:rPr lang="en-US"/>
               <a:t>Click to edit Master text styles</a:t>
             </a:r>
           </a:p>
           <a:p>
             <a:pPr lvl="1"/>
             <a:r>
-              <a:rPr lang="en-US" smtClean="0"/>
+              <a:rPr lang="en-US"/>
               <a:t>Second level</a:t>
             </a:r>
           </a:p>
           <a:p>
             <a:pPr lvl="2"/>
             <a:r>
-              <a:rPr lang="en-US" smtClean="0"/>
+              <a:rPr lang="en-US"/>
               <a:t>Third level</a:t>
             </a:r>
           </a:p>
           <a:p>
             <a:pPr lvl="3"/>
             <a:r>
-              <a:rPr lang="en-US" smtClean="0"/>
+              <a:rPr lang="en-US"/>
               <a:t>Fourth level</a:t>
             </a:r>
           </a:p>
           <a:p>
             <a:pPr lvl="4"/>
             <a:r>
-              <a:rPr lang="en-US" smtClean="0"/>
+              <a:rPr lang="en-US"/>
               <a:t>Fifth level</a:t>
             </a:r>
-            <a:endParaRPr lang="en-US"/>
           </a:p>
         </p:txBody>
       </p:sp>
@@ -3603,7 +3590,7 @@
           <a:lstStyle/>
           <a:p>
             <a:r>
-              <a:rPr lang="en-US" altLang="en-US" sz="5000" b="1" dirty="0" smtClean="0">
+              <a:rPr lang="zh-CN" altLang="en-US" sz="5000" b="1" dirty="0">
                 <a:effectLst>
                   <a:outerShdw blurRad="38100" dist="38100" dir="2700000" algn="tl">
                     <a:srgbClr val="000000">
@@ -3612,7 +3599,7 @@
                   </a:outerShdw>
                 </a:effectLst>
               </a:rPr>
-              <a:t>祢坐着为王</a:t>
+              <a:t>祢坐著為王</a:t>
             </a:r>
             <a:endParaRPr lang="en-US" altLang="zh-CN" sz="5000" b="1" dirty="0">
               <a:effectLst>
@@ -3643,18 +3630,20 @@
           </a:xfrm>
         </p:spPr>
         <p:txBody>
-          <a:bodyPr/>
+          <a:bodyPr>
+            <a:normAutofit/>
+          </a:bodyPr>
           <a:lstStyle/>
           <a:p>
             <a:pPr marL="0" indent="0"/>
-            <a:endParaRPr lang="en-US" altLang="en-US" sz="3400" dirty="0" smtClean="0"/>
+            <a:endParaRPr lang="en-US" altLang="en-US" sz="3400" dirty="0"/>
           </a:p>
           <a:p>
             <a:pPr marL="0" indent="0" algn="ctr">
               <a:buNone/>
             </a:pPr>
             <a:r>
-              <a:rPr lang="en-US" altLang="en-US" sz="4400" b="1" dirty="0" err="1" smtClean="0">
+              <a:rPr lang="zh-CN" altLang="en-US" sz="4400" b="1" dirty="0">
                 <a:effectLst>
                   <a:outerShdw blurRad="38100" dist="38100" dir="2700000" algn="tl">
                     <a:srgbClr val="000000">
@@ -3663,10 +3652,10 @@
                   </a:outerShdw>
                 </a:effectLst>
               </a:rPr>
-              <a:t>主耶和华</a:t>
-            </a:r>
-            <a:r>
-              <a:rPr lang="en-US" altLang="en-US" sz="4400" b="1" dirty="0" smtClean="0">
+              <a:t>主耶和華</a:t>
+            </a:r>
+            <a:r>
+              <a:rPr lang="en-US" altLang="en-US" sz="4400" b="1" dirty="0">
                 <a:effectLst>
                   <a:outerShdw blurRad="38100" dist="38100" dir="2700000" algn="tl">
                     <a:srgbClr val="000000">
@@ -3678,7 +3667,7 @@
               <a:t> </a:t>
             </a:r>
             <a:r>
-              <a:rPr lang="en-US" altLang="zh-CN" sz="4400" b="1" dirty="0" smtClean="0">
+              <a:rPr lang="en-US" altLang="zh-CN" sz="4400" b="1" dirty="0">
                 <a:effectLst>
                   <a:outerShdw blurRad="38100" dist="38100" dir="2700000" algn="tl">
                     <a:srgbClr val="000000">
@@ -3690,7 +3679,7 @@
               <a:t> </a:t>
             </a:r>
             <a:r>
-              <a:rPr lang="en-US" altLang="en-US" sz="4400" b="1" dirty="0" err="1" smtClean="0">
+              <a:rPr lang="zh-CN" altLang="en-US" sz="4400" b="1" dirty="0">
                 <a:effectLst>
                   <a:outerShdw blurRad="38100" dist="38100" dir="2700000" algn="tl">
                     <a:srgbClr val="000000">
@@ -3699,9 +3688,9 @@
                   </a:outerShdw>
                 </a:effectLst>
               </a:rPr>
-              <a:t>满有怜悯和恩典</a:t>
-            </a:r>
-            <a:endParaRPr lang="en-US" altLang="en-US" sz="4400" b="1" dirty="0" smtClean="0">
+              <a:t>滿有憐憫和恩典</a:t>
+            </a:r>
+            <a:endParaRPr lang="en-US" altLang="en-US" sz="4400" b="1" dirty="0">
               <a:effectLst>
                 <a:outerShdw blurRad="38100" dist="38100" dir="2700000" algn="tl">
                   <a:srgbClr val="000000">
@@ -3716,7 +3705,7 @@
               <a:buNone/>
             </a:pPr>
             <a:r>
-              <a:rPr lang="en-US" altLang="en-US" sz="4400" b="1" dirty="0" err="1" smtClean="0">
+              <a:rPr lang="zh-CN" altLang="en-US" sz="4400" b="1" dirty="0">
                 <a:effectLst>
                   <a:outerShdw blurRad="38100" dist="38100" dir="2700000" algn="tl">
                     <a:srgbClr val="000000">
@@ -3725,10 +3714,10 @@
                   </a:outerShdw>
                 </a:effectLst>
               </a:rPr>
-              <a:t>我投靠在祢翅膀荫下</a:t>
-            </a:r>
-            <a:r>
-              <a:rPr lang="en-US" altLang="en-US" sz="4400" b="1" dirty="0" smtClean="0">
+              <a:t>我投靠在祢翅膀蔭下</a:t>
+            </a:r>
+            <a:r>
+              <a:rPr lang="en-US" altLang="en-US" sz="4400" b="1" dirty="0">
                 <a:effectLst>
                   <a:outerShdw blurRad="38100" dist="38100" dir="2700000" algn="tl">
                     <a:srgbClr val="000000">
@@ -3739,6 +3728,47 @@
               </a:rPr>
               <a:t> </a:t>
             </a:r>
+          </a:p>
+          <a:p>
+            <a:pPr marL="0" indent="0" algn="ctr">
+              <a:buNone/>
+            </a:pPr>
+            <a:r>
+              <a:rPr lang="zh-CN" altLang="en-US" sz="4400" b="1" dirty="0">
+                <a:effectLst>
+                  <a:outerShdw blurRad="38100" dist="38100" dir="2700000" algn="tl">
+                    <a:srgbClr val="000000">
+                      <a:alpha val="43137"/>
+                    </a:srgbClr>
+                  </a:outerShdw>
+                </a:effectLst>
+              </a:rPr>
+              <a:t>當我回轉</a:t>
+            </a:r>
+            <a:r>
+              <a:rPr lang="en-US" altLang="zh-CN" sz="4400" b="1" dirty="0">
+                <a:effectLst>
+                  <a:outerShdw blurRad="38100" dist="38100" dir="2700000" algn="tl">
+                    <a:srgbClr val="000000">
+                      <a:alpha val="43137"/>
+                    </a:srgbClr>
+                  </a:outerShdw>
+                </a:effectLst>
+              </a:rPr>
+              <a:t>  </a:t>
+            </a:r>
+            <a:r>
+              <a:rPr lang="zh-CN" altLang="en-US" sz="4400" b="1" dirty="0">
+                <a:effectLst>
+                  <a:outerShdw blurRad="38100" dist="38100" dir="2700000" algn="tl">
+                    <a:srgbClr val="000000">
+                      <a:alpha val="43137"/>
+                    </a:srgbClr>
+                  </a:outerShdw>
+                </a:effectLst>
+              </a:rPr>
+              <a:t>一宿雖然有哭泣</a:t>
+            </a:r>
             <a:endParaRPr lang="en-US" altLang="en-US" sz="4400" b="1" dirty="0">
               <a:effectLst>
                 <a:outerShdw blurRad="38100" dist="38100" dir="2700000" algn="tl">
@@ -3754,7 +3784,7 @@
               <a:buNone/>
             </a:pPr>
             <a:r>
-              <a:rPr lang="en-US" altLang="en-US" sz="4400" b="1" dirty="0" err="1" smtClean="0">
+              <a:rPr lang="zh-CN" altLang="en-US" sz="4400" b="1" dirty="0">
                 <a:effectLst>
                   <a:outerShdw blurRad="38100" dist="38100" dir="2700000" algn="tl">
                     <a:srgbClr val="000000">
@@ -3763,57 +3793,7 @@
                   </a:outerShdw>
                 </a:effectLst>
               </a:rPr>
-              <a:t>当我回转</a:t>
-            </a:r>
-            <a:r>
-              <a:rPr lang="en-US" altLang="zh-CN" sz="4400" b="1" dirty="0" smtClean="0">
-                <a:effectLst>
-                  <a:outerShdw blurRad="38100" dist="38100" dir="2700000" algn="tl">
-                    <a:srgbClr val="000000">
-                      <a:alpha val="43137"/>
-                    </a:srgbClr>
-                  </a:outerShdw>
-                </a:effectLst>
-              </a:rPr>
-              <a:t>  </a:t>
-            </a:r>
-            <a:r>
-              <a:rPr lang="en-US" altLang="en-US" sz="4400" b="1" dirty="0" err="1" smtClean="0">
-                <a:effectLst>
-                  <a:outerShdw blurRad="38100" dist="38100" dir="2700000" algn="tl">
-                    <a:srgbClr val="000000">
-                      <a:alpha val="43137"/>
-                    </a:srgbClr>
-                  </a:outerShdw>
-                </a:effectLst>
-              </a:rPr>
-              <a:t>一宿虽然有哭泣</a:t>
-            </a:r>
-            <a:endParaRPr lang="en-US" altLang="en-US" sz="4400" b="1" dirty="0" smtClean="0">
-              <a:effectLst>
-                <a:outerShdw blurRad="38100" dist="38100" dir="2700000" algn="tl">
-                  <a:srgbClr val="000000">
-                    <a:alpha val="43137"/>
-                  </a:srgbClr>
-                </a:outerShdw>
-              </a:effectLst>
-            </a:endParaRPr>
-          </a:p>
-          <a:p>
-            <a:pPr marL="0" indent="0" algn="ctr">
-              <a:buNone/>
-            </a:pPr>
-            <a:r>
-              <a:rPr lang="en-US" altLang="en-US" sz="4400" b="1" dirty="0" err="1" smtClean="0">
-                <a:effectLst>
-                  <a:outerShdw blurRad="38100" dist="38100" dir="2700000" algn="tl">
-                    <a:srgbClr val="000000">
-                      <a:alpha val="43137"/>
-                    </a:srgbClr>
-                  </a:outerShdw>
-                </a:effectLst>
-              </a:rPr>
-              <a:t>早晨必欢呼喜乐</a:t>
+              <a:t>早晨必歡呼喜樂</a:t>
             </a:r>
             <a:endParaRPr lang="zh-TW" altLang="en-US" sz="4400" b="1" dirty="0">
               <a:effectLst>
@@ -3837,13 +3817,6 @@
   <p:clrMapOvr>
     <a:masterClrMapping/>
   </p:clrMapOvr>
-  <p:timing>
-    <p:tnLst>
-      <p:par>
-        <p:cTn id="1" dur="indefinite" restart="never" nodeType="tmRoot"/>
-      </p:par>
-    </p:tnLst>
-  </p:timing>
 </p:sld>
 </file>
 
@@ -3887,7 +3860,7 @@
           <a:lstStyle/>
           <a:p>
             <a:r>
-              <a:rPr lang="en-US" altLang="en-US" sz="5000" b="1" dirty="0" smtClean="0">
+              <a:rPr lang="en-US" altLang="en-US" sz="5000" dirty="0">
                 <a:effectLst>
                   <a:outerShdw blurRad="38100" dist="38100" dir="2700000" algn="tl">
                     <a:srgbClr val="000000">
@@ -3896,7 +3869,19 @@
                   </a:outerShdw>
                 </a:effectLst>
               </a:rPr>
-              <a:t>祢坐着为王</a:t>
+              <a:t>祢</a:t>
+            </a:r>
+            <a:r>
+              <a:rPr lang="zh-CN" altLang="en-US" sz="5000" b="1" dirty="0">
+                <a:effectLst>
+                  <a:outerShdw blurRad="38100" dist="38100" dir="2700000" algn="tl">
+                    <a:srgbClr val="000000">
+                      <a:alpha val="43137"/>
+                    </a:srgbClr>
+                  </a:outerShdw>
+                </a:effectLst>
+              </a:rPr>
+              <a:t>坐著為王</a:t>
             </a:r>
             <a:endParaRPr lang="en-US" altLang="zh-CN" sz="5000" b="1" dirty="0">
               <a:effectLst>
@@ -3931,14 +3916,14 @@
           <a:lstStyle/>
           <a:p>
             <a:pPr marL="0" indent="0"/>
-            <a:endParaRPr lang="en-US" altLang="en-US" sz="3400" dirty="0" smtClean="0"/>
+            <a:endParaRPr lang="en-US" altLang="en-US" sz="3400" dirty="0"/>
           </a:p>
           <a:p>
             <a:pPr marL="0" indent="0" algn="ctr">
               <a:buNone/>
             </a:pPr>
             <a:r>
-              <a:rPr lang="en-US" altLang="en-US" sz="4400" b="1" dirty="0" err="1" smtClean="0">
+              <a:rPr lang="en-US" altLang="en-US" sz="4400" b="1" dirty="0">
                 <a:effectLst>
                   <a:outerShdw blurRad="38100" dist="38100" dir="2700000" algn="tl">
                     <a:srgbClr val="000000">
@@ -3947,10 +3932,10 @@
                   </a:outerShdw>
                 </a:effectLst>
               </a:rPr>
-              <a:t>祢坐着为王</a:t>
-            </a:r>
-            <a:r>
-              <a:rPr lang="en-US" altLang="en-US" sz="4400" b="1" dirty="0" smtClean="0">
+              <a:t>祢</a:t>
+            </a:r>
+            <a:r>
+              <a:rPr lang="zh-CN" altLang="en-US" sz="4400" b="1" dirty="0">
                 <a:effectLst>
                   <a:outerShdw blurRad="38100" dist="38100" dir="2700000" algn="tl">
                     <a:srgbClr val="000000">
@@ -3959,31 +3944,7 @@
                   </a:outerShdw>
                 </a:effectLst>
               </a:rPr>
-              <a:t> </a:t>
-            </a:r>
-            <a:r>
-              <a:rPr lang="en-US" altLang="zh-CN" sz="4400" b="1" dirty="0" smtClean="0">
-                <a:effectLst>
-                  <a:outerShdw blurRad="38100" dist="38100" dir="2700000" algn="tl">
-                    <a:srgbClr val="000000">
-                      <a:alpha val="43137"/>
-                    </a:srgbClr>
-                  </a:outerShdw>
-                </a:effectLst>
-              </a:rPr>
-              <a:t> </a:t>
-            </a:r>
-            <a:r>
-              <a:rPr lang="en-US" altLang="en-US" sz="4400" b="1" dirty="0" err="1">
-                <a:effectLst>
-                  <a:outerShdw blurRad="38100" dist="38100" dir="2700000" algn="tl">
-                    <a:srgbClr val="000000">
-                      <a:alpha val="43137"/>
-                    </a:srgbClr>
-                  </a:outerShdw>
-                </a:effectLst>
-              </a:rPr>
-              <a:t>到永永远远</a:t>
+              <a:t>坐著為王</a:t>
             </a:r>
             <a:r>
               <a:rPr lang="en-US" altLang="en-US" sz="4400" b="1" dirty="0">
@@ -3997,22 +3958,8 @@
               </a:rPr>
               <a:t> </a:t>
             </a:r>
-            <a:endParaRPr lang="en-US" altLang="en-US" sz="4400" b="1" dirty="0" smtClean="0">
-              <a:effectLst>
-                <a:outerShdw blurRad="38100" dist="38100" dir="2700000" algn="tl">
-                  <a:srgbClr val="000000">
-                    <a:alpha val="43137"/>
-                  </a:srgbClr>
-                </a:outerShdw>
-              </a:effectLst>
-            </a:endParaRPr>
-          </a:p>
-          <a:p>
-            <a:pPr marL="0" indent="0" algn="ctr">
-              <a:buNone/>
-            </a:pPr>
-            <a:r>
-              <a:rPr lang="en-US" altLang="en-US" sz="4400" b="1" dirty="0" err="1" smtClean="0">
+            <a:r>
+              <a:rPr lang="en-US" altLang="zh-CN" sz="4400" b="1" dirty="0">
                 <a:effectLst>
                   <a:outerShdw blurRad="38100" dist="38100" dir="2700000" algn="tl">
                     <a:srgbClr val="000000">
@@ -4021,10 +3968,51 @@
                   </a:outerShdw>
                 </a:effectLst>
               </a:rPr>
-              <a:t>虽洪水翻腾</a:t>
-            </a:r>
-            <a:r>
-              <a:rPr lang="en-US" altLang="zh-CN" sz="4400" b="1" dirty="0" smtClean="0">
+              <a:t> </a:t>
+            </a:r>
+            <a:r>
+              <a:rPr lang="zh-CN" altLang="en-US" sz="4400" b="1" dirty="0">
+                <a:effectLst>
+                  <a:outerShdw blurRad="38100" dist="38100" dir="2700000" algn="tl">
+                    <a:srgbClr val="000000">
+                      <a:alpha val="43137"/>
+                    </a:srgbClr>
+                  </a:outerShdw>
+                </a:effectLst>
+              </a:rPr>
+              <a:t>到永永遠遠</a:t>
+            </a:r>
+            <a:r>
+              <a:rPr lang="en-US" altLang="en-US" sz="4400" b="1" dirty="0">
+                <a:effectLst>
+                  <a:outerShdw blurRad="38100" dist="38100" dir="2700000" algn="tl">
+                    <a:srgbClr val="000000">
+                      <a:alpha val="43137"/>
+                    </a:srgbClr>
+                  </a:outerShdw>
+                </a:effectLst>
+              </a:rPr>
+              <a:t> </a:t>
+            </a:r>
+          </a:p>
+          <a:p>
+            <a:pPr marL="0" indent="0" algn="ctr">
+              <a:buNone/>
+            </a:pPr>
+            <a:r>
+              <a:rPr lang="zh-CN" altLang="en-US" sz="4400" b="1" dirty="0">
+                <a:effectLst>
+                  <a:outerShdw blurRad="38100" dist="38100" dir="2700000" algn="tl">
+                    <a:srgbClr val="000000">
+                      <a:alpha val="43137"/>
+                    </a:srgbClr>
+                  </a:outerShdw>
+                </a:effectLst>
+              </a:rPr>
+              <a:t>雖洪水翻騰</a:t>
+            </a:r>
+            <a:r>
+              <a:rPr lang="en-US" altLang="zh-CN" sz="4400" b="1" dirty="0">
                 <a:effectLst>
                   <a:outerShdw blurRad="38100" dist="38100" dir="2700000" algn="tl">
                     <a:srgbClr val="000000">
@@ -4036,7 +4024,7 @@
               <a:t>  </a:t>
             </a:r>
             <a:r>
-              <a:rPr lang="en-US" altLang="en-US" sz="4400" b="1" dirty="0" err="1" smtClean="0">
+              <a:rPr lang="zh-CN" altLang="en-US" sz="4400" b="1" dirty="0">
                 <a:effectLst>
                   <a:outerShdw blurRad="38100" dist="38100" dir="2700000" algn="tl">
                     <a:srgbClr val="000000">
@@ -4045,10 +4033,22 @@
                   </a:outerShdw>
                 </a:effectLst>
               </a:rPr>
-              <a:t>我坚定仰望祢</a:t>
-            </a:r>
-            <a:r>
-              <a:rPr lang="en-US" altLang="en-US" sz="4400" b="1" dirty="0" smtClean="0">
+              <a:t>我堅定仰望</a:t>
+            </a:r>
+            <a:r>
+              <a:rPr lang="en-US" altLang="en-US" sz="4400" dirty="0">
+                <a:effectLst>
+                  <a:outerShdw blurRad="38100" dist="38100" dir="2700000" algn="tl">
+                    <a:srgbClr val="000000">
+                      <a:alpha val="43137"/>
+                    </a:srgbClr>
+                  </a:outerShdw>
+                </a:effectLst>
+              </a:rPr>
+              <a:t>祢</a:t>
+            </a:r>
+            <a:r>
+              <a:rPr lang="en-US" altLang="en-US" sz="4400" b="1" dirty="0">
                 <a:effectLst>
                   <a:outerShdw blurRad="38100" dist="38100" dir="2700000" algn="tl">
                     <a:srgbClr val="000000">
@@ -4065,7 +4065,7 @@
               <a:buNone/>
             </a:pPr>
             <a:r>
-              <a:rPr lang="en-US" altLang="en-US" sz="4400" b="1" dirty="0" err="1" smtClean="0">
+              <a:rPr lang="en-US" altLang="en-US" sz="4400" b="1" dirty="0">
                 <a:effectLst>
                   <a:outerShdw blurRad="38100" dist="38100" dir="2700000" algn="tl">
                     <a:srgbClr val="000000">
@@ -4074,10 +4074,22 @@
                   </a:outerShdw>
                 </a:effectLst>
               </a:rPr>
-              <a:t>祢坐着为王</a:t>
-            </a:r>
-            <a:r>
-              <a:rPr lang="en-US" altLang="zh-CN" sz="4400" b="1" dirty="0" smtClean="0">
+              <a:t>祢</a:t>
+            </a:r>
+            <a:r>
+              <a:rPr lang="zh-CN" altLang="en-US" sz="4400" b="1" dirty="0">
+                <a:effectLst>
+                  <a:outerShdw blurRad="38100" dist="38100" dir="2700000" algn="tl">
+                    <a:srgbClr val="000000">
+                      <a:alpha val="43137"/>
+                    </a:srgbClr>
+                  </a:outerShdw>
+                </a:effectLst>
+              </a:rPr>
+              <a:t>坐著為王</a:t>
+            </a:r>
+            <a:r>
+              <a:rPr lang="en-US" altLang="zh-CN" sz="4400" b="1" dirty="0">
                 <a:effectLst>
                   <a:outerShdw blurRad="38100" dist="38100" dir="2700000" algn="tl">
                     <a:srgbClr val="000000">
@@ -4089,7 +4101,7 @@
               <a:t>  </a:t>
             </a:r>
             <a:r>
-              <a:rPr lang="en-US" altLang="en-US" sz="4400" b="1" dirty="0" err="1" smtClean="0">
+              <a:rPr lang="zh-CN" altLang="en-US" sz="4400" b="1" dirty="0">
                 <a:effectLst>
                   <a:outerShdw blurRad="38100" dist="38100" dir="2700000" algn="tl">
                     <a:srgbClr val="000000">
@@ -4098,10 +4110,10 @@
                   </a:outerShdw>
                 </a:effectLst>
               </a:rPr>
-              <a:t>垂听我呼求</a:t>
-            </a:r>
-            <a:r>
-              <a:rPr lang="en-US" altLang="en-US" sz="4400" b="1" dirty="0" smtClean="0">
+              <a:t>垂聽我呼求</a:t>
+            </a:r>
+            <a:r>
+              <a:rPr lang="en-US" altLang="en-US" sz="4400" b="1" dirty="0">
                 <a:effectLst>
                   <a:outerShdw blurRad="38100" dist="38100" dir="2700000" algn="tl">
                     <a:srgbClr val="000000">
@@ -4118,7 +4130,7 @@
               <a:buNone/>
             </a:pPr>
             <a:r>
-              <a:rPr lang="en-US" altLang="en-US" sz="4400" b="1" dirty="0" err="1" smtClean="0">
+              <a:rPr lang="zh-CN" altLang="en-US" sz="4400" b="1" dirty="0">
                 <a:effectLst>
                   <a:outerShdw blurRad="38100" dist="38100" dir="2700000" algn="tl">
                     <a:srgbClr val="000000">
@@ -4127,10 +4139,10 @@
                   </a:outerShdw>
                 </a:effectLst>
               </a:rPr>
-              <a:t>使我灵苏醒</a:t>
-            </a:r>
-            <a:r>
-              <a:rPr lang="en-US" altLang="zh-CN" sz="4400" b="1" dirty="0" smtClean="0">
+              <a:t>使我靈甦醒</a:t>
+            </a:r>
+            <a:r>
+              <a:rPr lang="en-US" altLang="zh-CN" sz="4400" b="1" dirty="0">
                 <a:effectLst>
                   <a:outerShdw blurRad="38100" dist="38100" dir="2700000" algn="tl">
                     <a:srgbClr val="000000">
@@ -4142,7 +4154,7 @@
               <a:t>  </a:t>
             </a:r>
             <a:r>
-              <a:rPr lang="en-US" altLang="en-US" sz="4400" b="1" dirty="0" err="1" smtClean="0">
+              <a:rPr lang="zh-CN" altLang="en-US" sz="4400" b="1">
                 <a:effectLst>
                   <a:outerShdw blurRad="38100" dist="38100" dir="2700000" algn="tl">
                     <a:srgbClr val="000000">
@@ -4151,7 +4163,7 @@
                   </a:outerShdw>
                 </a:effectLst>
               </a:rPr>
-              <a:t>有复活的生命</a:t>
+              <a:t>有復活的生命</a:t>
             </a:r>
             <a:endParaRPr lang="en-US" altLang="en-US" sz="4400" b="1" dirty="0">
               <a:effectLst>
@@ -4175,13 +4187,6 @@
   <p:clrMapOvr>
     <a:masterClrMapping/>
   </p:clrMapOvr>
-  <p:timing>
-    <p:tnLst>
-      <p:par>
-        <p:cTn id="1" dur="indefinite" restart="never" nodeType="tmRoot"/>
-      </p:par>
-    </p:tnLst>
-  </p:timing>
 </p:sld>
 </file>
 
